--- a/assets/images/WireFrame.pptx
+++ b/assets/images/WireFrame.pptx
@@ -249,7 +249,7 @@
           <a:p>
             <a:fld id="{FD2EEBF8-43A7-4C6E-A13D-6238D7D25077}" type="datetimeFigureOut">
               <a:rPr lang="en-US" smtClean="0"/>
-              <a:t>11/29/2017</a:t>
+              <a:t>12/1/2017</a:t>
             </a:fld>
             <a:endParaRPr lang="en-US"/>
           </a:p>
@@ -419,7 +419,7 @@
           <a:p>
             <a:fld id="{FD2EEBF8-43A7-4C6E-A13D-6238D7D25077}" type="datetimeFigureOut">
               <a:rPr lang="en-US" smtClean="0"/>
-              <a:t>11/29/2017</a:t>
+              <a:t>12/1/2017</a:t>
             </a:fld>
             <a:endParaRPr lang="en-US"/>
           </a:p>
@@ -599,7 +599,7 @@
           <a:p>
             <a:fld id="{FD2EEBF8-43A7-4C6E-A13D-6238D7D25077}" type="datetimeFigureOut">
               <a:rPr lang="en-US" smtClean="0"/>
-              <a:t>11/29/2017</a:t>
+              <a:t>12/1/2017</a:t>
             </a:fld>
             <a:endParaRPr lang="en-US"/>
           </a:p>
@@ -769,7 +769,7 @@
           <a:p>
             <a:fld id="{FD2EEBF8-43A7-4C6E-A13D-6238D7D25077}" type="datetimeFigureOut">
               <a:rPr lang="en-US" smtClean="0"/>
-              <a:t>11/29/2017</a:t>
+              <a:t>12/1/2017</a:t>
             </a:fld>
             <a:endParaRPr lang="en-US"/>
           </a:p>
@@ -1015,7 +1015,7 @@
           <a:p>
             <a:fld id="{FD2EEBF8-43A7-4C6E-A13D-6238D7D25077}" type="datetimeFigureOut">
               <a:rPr lang="en-US" smtClean="0"/>
-              <a:t>11/29/2017</a:t>
+              <a:t>12/1/2017</a:t>
             </a:fld>
             <a:endParaRPr lang="en-US"/>
           </a:p>
@@ -1247,7 +1247,7 @@
           <a:p>
             <a:fld id="{FD2EEBF8-43A7-4C6E-A13D-6238D7D25077}" type="datetimeFigureOut">
               <a:rPr lang="en-US" smtClean="0"/>
-              <a:t>11/29/2017</a:t>
+              <a:t>12/1/2017</a:t>
             </a:fld>
             <a:endParaRPr lang="en-US"/>
           </a:p>
@@ -1614,7 +1614,7 @@
           <a:p>
             <a:fld id="{FD2EEBF8-43A7-4C6E-A13D-6238D7D25077}" type="datetimeFigureOut">
               <a:rPr lang="en-US" smtClean="0"/>
-              <a:t>11/29/2017</a:t>
+              <a:t>12/1/2017</a:t>
             </a:fld>
             <a:endParaRPr lang="en-US"/>
           </a:p>
@@ -1732,7 +1732,7 @@
           <a:p>
             <a:fld id="{FD2EEBF8-43A7-4C6E-A13D-6238D7D25077}" type="datetimeFigureOut">
               <a:rPr lang="en-US" smtClean="0"/>
-              <a:t>11/29/2017</a:t>
+              <a:t>12/1/2017</a:t>
             </a:fld>
             <a:endParaRPr lang="en-US"/>
           </a:p>
@@ -1827,7 +1827,7 @@
           <a:p>
             <a:fld id="{FD2EEBF8-43A7-4C6E-A13D-6238D7D25077}" type="datetimeFigureOut">
               <a:rPr lang="en-US" smtClean="0"/>
-              <a:t>11/29/2017</a:t>
+              <a:t>12/1/2017</a:t>
             </a:fld>
             <a:endParaRPr lang="en-US"/>
           </a:p>
@@ -2104,7 +2104,7 @@
           <a:p>
             <a:fld id="{FD2EEBF8-43A7-4C6E-A13D-6238D7D25077}" type="datetimeFigureOut">
               <a:rPr lang="en-US" smtClean="0"/>
-              <a:t>11/29/2017</a:t>
+              <a:t>12/1/2017</a:t>
             </a:fld>
             <a:endParaRPr lang="en-US"/>
           </a:p>
@@ -2361,7 +2361,7 @@
           <a:p>
             <a:fld id="{FD2EEBF8-43A7-4C6E-A13D-6238D7D25077}" type="datetimeFigureOut">
               <a:rPr lang="en-US" smtClean="0"/>
-              <a:t>11/29/2017</a:t>
+              <a:t>12/1/2017</a:t>
             </a:fld>
             <a:endParaRPr lang="en-US"/>
           </a:p>
@@ -2574,7 +2574,7 @@
           <a:p>
             <a:fld id="{FD2EEBF8-43A7-4C6E-A13D-6238D7D25077}" type="datetimeFigureOut">
               <a:rPr lang="en-US" smtClean="0"/>
-              <a:t>11/29/2017</a:t>
+              <a:t>12/1/2017</a:t>
             </a:fld>
             <a:endParaRPr lang="en-US"/>
           </a:p>
@@ -3765,7 +3765,7 @@
         </p:blipFill>
         <p:spPr>
           <a:xfrm>
-            <a:off x="4800358" y="1990993"/>
+            <a:off x="7798035" y="119963"/>
             <a:ext cx="541222" cy="541222"/>
           </a:xfrm>
           <a:prstGeom prst="rect">
@@ -3800,7 +3800,7 @@
         </p:blipFill>
         <p:spPr>
           <a:xfrm>
-            <a:off x="6978243" y="1954587"/>
+            <a:off x="9975920" y="83557"/>
             <a:ext cx="531495" cy="532448"/>
           </a:xfrm>
           <a:prstGeom prst="rect">
@@ -3822,7 +3822,7 @@
         </p:nvSpPr>
         <p:spPr>
           <a:xfrm>
-            <a:off x="4606411" y="286349"/>
+            <a:off x="4629757" y="32106"/>
             <a:ext cx="1505540" cy="430887"/>
           </a:xfrm>
           <a:prstGeom prst="rect">
@@ -3880,7 +3880,7 @@
         </p:nvSpPr>
         <p:spPr>
           <a:xfrm>
-            <a:off x="6033092" y="296541"/>
+            <a:off x="6056438" y="42298"/>
             <a:ext cx="1513876" cy="430887"/>
           </a:xfrm>
           <a:prstGeom prst="rect">
@@ -3910,45 +3910,6 @@
                 </a:effectLst>
               </a:rPr>
               <a:t>Contact Me</a:t>
-            </a:r>
-          </a:p>
-        </p:txBody>
-      </p:sp>
-      <p:sp>
-        <p:nvSpPr>
-          <p:cNvPr id="63" name="TextBox 62">
-            <a:extLst>
-              <a:ext uri="{FF2B5EF4-FFF2-40B4-BE49-F238E27FC236}">
-                <a16:creationId xmlns:a16="http://schemas.microsoft.com/office/drawing/2014/main" id="{A574B7D3-75F1-4CF3-9AE2-977DCE502B4C}"/>
-              </a:ext>
-            </a:extLst>
-          </p:cNvPr>
-          <p:cNvSpPr txBox="1"/>
-          <p:nvPr/>
-        </p:nvSpPr>
-        <p:spPr>
-          <a:xfrm>
-            <a:off x="4606411" y="1911533"/>
-            <a:ext cx="364671" cy="369460"/>
-          </a:xfrm>
-          <a:prstGeom prst="rect">
-            <a:avLst/>
-          </a:prstGeom>
-          <a:noFill/>
-        </p:spPr>
-        <p:txBody>
-          <a:bodyPr wrap="square" rtlCol="0">
-            <a:spAutoFit/>
-          </a:bodyPr>
-          <a:lstStyle/>
-          <a:p>
-            <a:r>
-              <a:rPr lang="en-US" dirty="0">
-                <a:solidFill>
-                  <a:srgbClr val="FF0000"/>
-                </a:solidFill>
-              </a:rPr>
-              <a:t>*</a:t>
             </a:r>
           </a:p>
         </p:txBody>
@@ -3994,7 +3955,7 @@
         </p:blipFill>
         <p:spPr>
           <a:xfrm>
-            <a:off x="5869165" y="1928779"/>
+            <a:off x="8866842" y="57749"/>
             <a:ext cx="605441" cy="594943"/>
           </a:xfrm>
           <a:prstGeom prst="rect">
@@ -4016,7 +3977,7 @@
         </p:nvSpPr>
         <p:spPr>
           <a:xfrm>
-            <a:off x="4659381" y="867896"/>
+            <a:off x="4581559" y="345481"/>
             <a:ext cx="3025637" cy="1015663"/>
           </a:xfrm>
           <a:prstGeom prst="rect">
@@ -4069,7 +4030,7 @@
         </p:nvSpPr>
         <p:spPr>
           <a:xfrm>
-            <a:off x="780732" y="2561153"/>
+            <a:off x="387631" y="541691"/>
             <a:ext cx="4438973" cy="3224604"/>
           </a:xfrm>
           <a:prstGeom prst="rect">
@@ -4137,7 +4098,7 @@
         </p:blipFill>
         <p:spPr>
           <a:xfrm>
-            <a:off x="784182" y="2561154"/>
+            <a:off x="391081" y="541692"/>
             <a:ext cx="1863798" cy="1869329"/>
           </a:xfrm>
           <a:prstGeom prst="rect">
@@ -4159,7 +4120,7 @@
         </p:nvSpPr>
         <p:spPr>
           <a:xfrm>
-            <a:off x="2655830" y="2566058"/>
+            <a:off x="2262729" y="546596"/>
             <a:ext cx="2443847" cy="1938992"/>
           </a:xfrm>
           <a:prstGeom prst="rect">
@@ -4200,7 +4161,7 @@
         </p:nvSpPr>
         <p:spPr>
           <a:xfrm>
-            <a:off x="788582" y="4415623"/>
+            <a:off x="395481" y="2396161"/>
             <a:ext cx="4438972" cy="1200329"/>
           </a:xfrm>
           <a:prstGeom prst="rect">
@@ -4242,7 +4203,7 @@
         </p:nvSpPr>
         <p:spPr>
           <a:xfrm>
-            <a:off x="6622668" y="2662788"/>
+            <a:off x="6056438" y="1600528"/>
             <a:ext cx="4052896" cy="3178628"/>
           </a:xfrm>
           <a:prstGeom prst="rect">
@@ -4296,7 +4257,7 @@
         </p:nvSpPr>
         <p:spPr>
           <a:xfrm>
-            <a:off x="6971988" y="3065422"/>
+            <a:off x="6405758" y="2003162"/>
             <a:ext cx="2138177" cy="1200329"/>
           </a:xfrm>
           <a:prstGeom prst="rect">
@@ -4386,7 +4347,7 @@
         </p:nvSpPr>
         <p:spPr>
           <a:xfrm>
-            <a:off x="7424156" y="2614429"/>
+            <a:off x="6857926" y="1552169"/>
             <a:ext cx="2239695" cy="400110"/>
           </a:xfrm>
           <a:prstGeom prst="rect">
@@ -4421,7 +4382,7 @@
         </p:nvSpPr>
         <p:spPr>
           <a:xfrm>
-            <a:off x="8779420" y="3031500"/>
+            <a:off x="8213190" y="1969240"/>
             <a:ext cx="1473959" cy="1200329"/>
           </a:xfrm>
           <a:prstGeom prst="rect">
@@ -4511,7 +4472,7 @@
         </p:nvSpPr>
         <p:spPr>
           <a:xfrm>
-            <a:off x="7805811" y="4355749"/>
+            <a:off x="7239581" y="3293489"/>
             <a:ext cx="1597303" cy="400110"/>
           </a:xfrm>
           <a:prstGeom prst="rect">
@@ -4546,7 +4507,7 @@
         </p:nvSpPr>
         <p:spPr>
           <a:xfrm>
-            <a:off x="6780724" y="4758104"/>
+            <a:off x="6214494" y="3695844"/>
             <a:ext cx="3526559" cy="600164"/>
           </a:xfrm>
           <a:prstGeom prst="rect">
@@ -4589,7 +4550,7 @@
         </p:nvSpPr>
         <p:spPr>
           <a:xfrm>
-            <a:off x="7172339" y="5421258"/>
+            <a:off x="6606109" y="4358998"/>
             <a:ext cx="2669320" cy="369332"/>
           </a:xfrm>
           <a:prstGeom prst="rect">
@@ -4626,93 +4587,6 @@
           </a:p>
         </p:txBody>
       </p:sp>
-      <p:pic>
-        <p:nvPicPr>
-          <p:cNvPr id="15" name="Picture 14">
-            <a:extLst>
-              <a:ext uri="{FF2B5EF4-FFF2-40B4-BE49-F238E27FC236}">
-                <a16:creationId xmlns:a16="http://schemas.microsoft.com/office/drawing/2014/main" id="{DDBFD953-2F01-4C09-99CB-C9B1293D5683}"/>
-              </a:ext>
-            </a:extLst>
-          </p:cNvPr>
-          <p:cNvPicPr>
-            <a:picLocks noChangeAspect="1"/>
-          </p:cNvPicPr>
-          <p:nvPr/>
-        </p:nvPicPr>
-        <p:blipFill>
-          <a:blip r:embed="rId8">
-            <a:extLst>
-              <a:ext uri="{BEBA8EAE-BF5A-486C-A8C5-ECC9F3942E4B}">
-                <a14:imgProps xmlns:a14="http://schemas.microsoft.com/office/drawing/2010/main">
-                  <a14:imgLayer r:embed="rId9">
-                    <a14:imgEffect>
-                      <a14:backgroundRemoval t="2048" b="89761" l="6182" r="89818"/>
-                    </a14:imgEffect>
-                  </a14:imgLayer>
-                </a14:imgProps>
-              </a:ext>
-              <a:ext uri="{28A0092B-C50C-407E-A947-70E740481C1C}">
-                <a14:useLocalDpi xmlns:a14="http://schemas.microsoft.com/office/drawing/2010/main" val="0"/>
-              </a:ext>
-            </a:extLst>
-          </a:blip>
-          <a:stretch>
-            <a:fillRect/>
-          </a:stretch>
-        </p:blipFill>
-        <p:spPr>
-          <a:xfrm>
-            <a:off x="2263938" y="463379"/>
-            <a:ext cx="1393770" cy="1484999"/>
-          </a:xfrm>
-          <a:prstGeom prst="rect">
-            <a:avLst/>
-          </a:prstGeom>
-        </p:spPr>
-      </p:pic>
-      <p:pic>
-        <p:nvPicPr>
-          <p:cNvPr id="17" name="Picture 16">
-            <a:extLst>
-              <a:ext uri="{FF2B5EF4-FFF2-40B4-BE49-F238E27FC236}">
-                <a16:creationId xmlns:a16="http://schemas.microsoft.com/office/drawing/2014/main" id="{88BEC8CB-AAA8-4190-B238-BBF1112E297C}"/>
-              </a:ext>
-            </a:extLst>
-          </p:cNvPr>
-          <p:cNvPicPr>
-            <a:picLocks noChangeAspect="1"/>
-          </p:cNvPicPr>
-          <p:nvPr/>
-        </p:nvPicPr>
-        <p:blipFill rotWithShape="1">
-          <a:blip r:embed="rId10">
-            <a:duotone>
-              <a:prstClr val="black"/>
-              <a:srgbClr val="EEE2FE">
-                <a:tint val="45000"/>
-                <a:satMod val="400000"/>
-              </a:srgbClr>
-            </a:duotone>
-            <a:extLst>
-              <a:ext uri="{28A0092B-C50C-407E-A947-70E740481C1C}">
-                <a14:useLocalDpi xmlns:a14="http://schemas.microsoft.com/office/drawing/2010/main" val="0"/>
-              </a:ext>
-            </a:extLst>
-          </a:blip>
-          <a:srcRect l="1119" t="26550" r="-1119" b="9865"/>
-          <a:stretch/>
-        </p:blipFill>
-        <p:spPr>
-          <a:xfrm>
-            <a:off x="56835" y="782563"/>
-            <a:ext cx="12230100" cy="3517100"/>
-          </a:xfrm>
-          <a:prstGeom prst="rect">
-            <a:avLst/>
-          </a:prstGeom>
-        </p:spPr>
-      </p:pic>
     </p:spTree>
     <p:extLst>
       <p:ext uri="{BB962C8B-B14F-4D97-AF65-F5344CB8AC3E}">
